--- a/tests/NameBadgeAutomater.Tests/TestFiles/Result_OneByOne.pptx
+++ b/tests/NameBadgeAutomater.Tests/TestFiles/Result_OneByOne.pptx
@@ -1,6 +1,6 @@
 
 <file path=ppt/presentation.xml><?xml version="1.0" encoding="utf-8"?>
-<p:presentation xmlns:a="http://schemas.openxmlformats.org/drawingml/2006/main" xmlns:r="http://schemas.openxmlformats.org/officeDocument/2006/relationships" xmlns:p="http://schemas.openxmlformats.org/presentationml/2006/main" saveSubsetFonts="1">
+<p:presentation xmlns:p15="http://schemas.microsoft.com/office/powerpoint/2012/main" xmlns:a="http://schemas.openxmlformats.org/drawingml/2006/main" xmlns:r="http://schemas.openxmlformats.org/officeDocument/2006/relationships" xmlns:p="http://schemas.openxmlformats.org/presentationml/2006/main" saveSubsetFonts="1">
   <p:sldMasterIdLst>
     <p:sldMasterId id="2147483648" r:id="rId4"/>
   </p:sldMasterIdLst>
@@ -11,7 +11,7 @@
     <p:handoutMasterId r:id="rId7"/>
   </p:handoutMasterIdLst>
   <p:sldIdLst>
-    <p:sldId id="266" r:id="rId5"/>
+    <p:sldId id="267" r:id="R44a1ff39c0b94dbd"/>
   </p:sldIdLst>
   <p:sldSz cx="7559675" cy="5346700"/>
   <p:notesSz cx="6735763" cy="9866313"/>
@@ -167,7 +167,7 @@
 </p1510:revInfo>
 </file>
 
-<file path=ppt/handoutMasters/handoutMaster1.xml><?xml version="1.0" encoding="utf-8"?>
+<file path=ppt/handoutMasters/handoutMaster11.xml><?xml version="1.0" encoding="utf-8"?>
 <p:handoutMaster xmlns:a="http://schemas.openxmlformats.org/drawingml/2006/main" xmlns:r="http://schemas.openxmlformats.org/officeDocument/2006/relationships" xmlns:p="http://schemas.openxmlformats.org/presentationml/2006/main">
   <p:cSld>
     <p:bg>
@@ -277,7 +277,7 @@
               <a:pPr>
                 <a:defRPr/>
               </a:pPr>
-              <a:t>11/15/2022</a:t>
+              <a:t>11/17/2022</a:t>
             </a:fld>
             <a:endParaRPr lang="en-US"/>
           </a:p>
@@ -385,7 +385,7 @@
 </p:handoutMaster>
 </file>
 
-<file path=ppt/notesMasters/notesMaster1.xml><?xml version="1.0" encoding="utf-8"?>
+<file path=ppt/notesMasters/notesMaster11.xml><?xml version="1.0" encoding="utf-8"?>
 <p:notesMaster xmlns:a="http://schemas.openxmlformats.org/drawingml/2006/main" xmlns:r="http://schemas.openxmlformats.org/officeDocument/2006/relationships" xmlns:p="http://schemas.openxmlformats.org/presentationml/2006/main">
   <p:cSld>
     <p:bg>
@@ -1015,384 +1015,7 @@
 </p:notesMaster>
 </file>
 
-<file path=ppt/notesSlides/notesSlide1.xml><?xml version="1.0" encoding="utf-8"?>
-<p:notes xmlns:a="http://schemas.openxmlformats.org/drawingml/2006/main" xmlns:r="http://schemas.openxmlformats.org/officeDocument/2006/relationships" xmlns:p="http://schemas.openxmlformats.org/presentationml/2006/main">
-  <p:cSld>
-    <p:spTree>
-      <p:nvGrpSpPr>
-        <p:cNvPr id="1" name=""/>
-        <p:cNvGrpSpPr/>
-        <p:nvPr/>
-      </p:nvGrpSpPr>
-      <p:grpSpPr>
-        <a:xfrm>
-          <a:off x="0" y="0"/>
-          <a:ext cx="0" cy="0"/>
-          <a:chOff x="0" y="0"/>
-          <a:chExt cx="0" cy="0"/>
-        </a:xfrm>
-      </p:grpSpPr>
-      <p:sp>
-        <p:nvSpPr>
-          <p:cNvPr id="15362" name="Rectangle 7">
-            <a:extLst>
-              <a:ext uri="{FF2B5EF4-FFF2-40B4-BE49-F238E27FC236}">
-                <a16:creationId xmlns:a16="http://schemas.microsoft.com/office/drawing/2014/main" id="{DDC070C4-95F7-46A3-9736-A1007D73FBC7}"/>
-              </a:ext>
-            </a:extLst>
-          </p:cNvPr>
-          <p:cNvSpPr>
-            <a:spLocks noGrp="1" noChangeArrowheads="1"/>
-          </p:cNvSpPr>
-          <p:nvPr>
-            <p:ph type="sldNum" sz="quarter" idx="5"/>
-          </p:nvPr>
-        </p:nvSpPr>
-        <p:spPr>
-          <a:extLst>
-            <a:ext uri="{AF507438-7753-43E0-B8FC-AC1667EBCBE1}">
-              <a14:hiddenEffects xmlns:a14="http://schemas.microsoft.com/office/drawing/2010/main">
-                <a:effectLst>
-                  <a:outerShdw blurRad="63500" dist="38099" dir="2700000" algn="ctr" rotWithShape="0">
-                    <a:schemeClr val="bg2">
-                      <a:alpha val="74998"/>
-                    </a:schemeClr>
-                  </a:outerShdw>
-                </a:effectLst>
-              </a14:hiddenEffects>
-            </a:ext>
-          </a:extLst>
-        </p:spPr>
-        <p:txBody>
-          <a:bodyPr/>
-          <a:lstStyle>
-            <a:lvl1pPr>
-              <a:spcBef>
-                <a:spcPct val="30000"/>
-              </a:spcBef>
-              <a:defRPr sz="1200">
-                <a:solidFill>
-                  <a:schemeClr val="tx1"/>
-                </a:solidFill>
-                <a:latin typeface="Arial" charset="0"/>
-              </a:defRPr>
-            </a:lvl1pPr>
-            <a:lvl2pPr marL="756342" indent="-290901">
-              <a:spcBef>
-                <a:spcPct val="30000"/>
-              </a:spcBef>
-              <a:defRPr sz="1200">
-                <a:solidFill>
-                  <a:schemeClr val="tx1"/>
-                </a:solidFill>
-                <a:latin typeface="Arial" charset="0"/>
-              </a:defRPr>
-            </a:lvl2pPr>
-            <a:lvl3pPr marL="1163602" indent="-232720">
-              <a:spcBef>
-                <a:spcPct val="30000"/>
-              </a:spcBef>
-              <a:defRPr sz="1200">
-                <a:solidFill>
-                  <a:schemeClr val="tx1"/>
-                </a:solidFill>
-                <a:latin typeface="Arial" charset="0"/>
-              </a:defRPr>
-            </a:lvl3pPr>
-            <a:lvl4pPr marL="1629043" indent="-232720">
-              <a:spcBef>
-                <a:spcPct val="30000"/>
-              </a:spcBef>
-              <a:defRPr sz="1200">
-                <a:solidFill>
-                  <a:schemeClr val="tx1"/>
-                </a:solidFill>
-                <a:latin typeface="Arial" charset="0"/>
-              </a:defRPr>
-            </a:lvl4pPr>
-            <a:lvl5pPr marL="2094484" indent="-232720">
-              <a:spcBef>
-                <a:spcPct val="30000"/>
-              </a:spcBef>
-              <a:defRPr sz="1200">
-                <a:solidFill>
-                  <a:schemeClr val="tx1"/>
-                </a:solidFill>
-                <a:latin typeface="Arial" charset="0"/>
-              </a:defRPr>
-            </a:lvl5pPr>
-            <a:lvl6pPr marL="2559925" indent="-232720" eaLnBrk="0" fontAlgn="base" hangingPunct="0">
-              <a:spcBef>
-                <a:spcPct val="30000"/>
-              </a:spcBef>
-              <a:spcAft>
-                <a:spcPct val="0"/>
-              </a:spcAft>
-              <a:defRPr sz="1200">
-                <a:solidFill>
-                  <a:schemeClr val="tx1"/>
-                </a:solidFill>
-                <a:latin typeface="Arial" charset="0"/>
-              </a:defRPr>
-            </a:lvl6pPr>
-            <a:lvl7pPr marL="3025366" indent="-232720" eaLnBrk="0" fontAlgn="base" hangingPunct="0">
-              <a:spcBef>
-                <a:spcPct val="30000"/>
-              </a:spcBef>
-              <a:spcAft>
-                <a:spcPct val="0"/>
-              </a:spcAft>
-              <a:defRPr sz="1200">
-                <a:solidFill>
-                  <a:schemeClr val="tx1"/>
-                </a:solidFill>
-                <a:latin typeface="Arial" charset="0"/>
-              </a:defRPr>
-            </a:lvl7pPr>
-            <a:lvl8pPr marL="3490807" indent="-232720" eaLnBrk="0" fontAlgn="base" hangingPunct="0">
-              <a:spcBef>
-                <a:spcPct val="30000"/>
-              </a:spcBef>
-              <a:spcAft>
-                <a:spcPct val="0"/>
-              </a:spcAft>
-              <a:defRPr sz="1200">
-                <a:solidFill>
-                  <a:schemeClr val="tx1"/>
-                </a:solidFill>
-                <a:latin typeface="Arial" charset="0"/>
-              </a:defRPr>
-            </a:lvl8pPr>
-            <a:lvl9pPr marL="3956248" indent="-232720" eaLnBrk="0" fontAlgn="base" hangingPunct="0">
-              <a:spcBef>
-                <a:spcPct val="30000"/>
-              </a:spcBef>
-              <a:spcAft>
-                <a:spcPct val="0"/>
-              </a:spcAft>
-              <a:defRPr sz="1200">
-                <a:solidFill>
-                  <a:schemeClr val="tx1"/>
-                </a:solidFill>
-                <a:latin typeface="Arial" charset="0"/>
-              </a:defRPr>
-            </a:lvl9pPr>
-          </a:lstStyle>
-          <a:p>
-            <a:pPr>
-              <a:spcBef>
-                <a:spcPct val="0"/>
-              </a:spcBef>
-              <a:defRPr/>
-            </a:pPr>
-            <a:fld id="{9F219E16-732C-4584-8A05-B552881BCF68}" type="slidenum">
-              <a:rPr lang="en-GB" altLang="en-US"/>
-              <a:pPr>
-                <a:spcBef>
-                  <a:spcPct val="0"/>
-                </a:spcBef>
-                <a:defRPr/>
-              </a:pPr>
-              <a:t>1</a:t>
-            </a:fld>
-            <a:endParaRPr lang="en-GB" altLang="en-US"/>
-          </a:p>
-        </p:txBody>
-      </p:sp>
-      <p:sp>
-        <p:nvSpPr>
-          <p:cNvPr id="15363" name="Rectangle 2">
-            <a:extLst>
-              <a:ext uri="{FF2B5EF4-FFF2-40B4-BE49-F238E27FC236}">
-                <a16:creationId xmlns:a16="http://schemas.microsoft.com/office/drawing/2014/main" id="{F58657FA-2CB6-42D9-BC9D-947527261172}"/>
-              </a:ext>
-            </a:extLst>
-          </p:cNvPr>
-          <p:cNvSpPr>
-            <a:spLocks noGrp="1" noRot="1" noChangeAspect="1" noChangeArrowheads="1" noTextEdit="1"/>
-          </p:cNvSpPr>
-          <p:nvPr>
-            <p:ph type="sldImg"/>
-          </p:nvPr>
-        </p:nvSpPr>
-        <p:spPr>
-          <a:ln/>
-        </p:spPr>
-      </p:sp>
-      <p:sp>
-        <p:nvSpPr>
-          <p:cNvPr id="15364" name="Rectangle 3">
-            <a:extLst>
-              <a:ext uri="{FF2B5EF4-FFF2-40B4-BE49-F238E27FC236}">
-                <a16:creationId xmlns:a16="http://schemas.microsoft.com/office/drawing/2014/main" id="{3DE2A72F-D345-454F-8799-704BFA1A9E1F}"/>
-              </a:ext>
-            </a:extLst>
-          </p:cNvPr>
-          <p:cNvSpPr>
-            <a:spLocks noGrp="1" noChangeArrowheads="1"/>
-          </p:cNvSpPr>
-          <p:nvPr>
-            <p:ph type="body" idx="1"/>
-          </p:nvPr>
-        </p:nvSpPr>
-        <p:spPr>
-          <a:extLst>
-            <a:ext uri="{AF507438-7753-43E0-B8FC-AC1667EBCBE1}">
-              <a14:hiddenEffects xmlns:a14="http://schemas.microsoft.com/office/drawing/2010/main">
-                <a:effectLst>
-                  <a:outerShdw blurRad="63500" dist="38099" dir="2700000" algn="ctr" rotWithShape="0">
-                    <a:schemeClr val="bg2">
-                      <a:alpha val="74997"/>
-                    </a:schemeClr>
-                  </a:outerShdw>
-                </a:effectLst>
-              </a14:hiddenEffects>
-            </a:ext>
-          </a:extLst>
-        </p:spPr>
-        <p:txBody>
-          <a:bodyPr/>
-          <a:lstStyle/>
-          <a:p>
-            <a:pPr marL="667969" indent="-667969" eaLnBrk="1" hangingPunct="1">
-              <a:buAutoNum type="arabicPeriod"/>
-              <a:defRPr/>
-            </a:pPr>
-            <a:r>
-              <a:rPr lang="en-US" altLang="en-US" sz="3100">
-                <a:latin typeface="Arial" panose="020B0604020202020204" pitchFamily="34" charset="0"/>
-              </a:rPr>
-              <a:t>Open </a:t>
-            </a:r>
-            <a:r>
-              <a:rPr lang="en-US" altLang="en-US" sz="3100" err="1">
-                <a:latin typeface="Arial" panose="020B0604020202020204" pitchFamily="34" charset="0"/>
-              </a:rPr>
-              <a:t>Masterslide</a:t>
-            </a:r>
-            <a:r>
-              <a:rPr lang="en-US" altLang="en-US" sz="3100">
-                <a:latin typeface="Arial" panose="020B0604020202020204" pitchFamily="34" charset="0"/>
-              </a:rPr>
-              <a:t> to edit background</a:t>
-            </a:r>
-          </a:p>
-          <a:p>
-            <a:pPr marL="667969" indent="-667969" eaLnBrk="1" hangingPunct="1">
-              <a:buAutoNum type="arabicPeriod"/>
-              <a:defRPr/>
-            </a:pPr>
-            <a:r>
-              <a:rPr lang="en-US" altLang="en-US" sz="3100">
-                <a:latin typeface="Arial" panose="020B0604020202020204" pitchFamily="34" charset="0"/>
-              </a:rPr>
-              <a:t>Add badge design - remember you can add other things to back of badge – space map, </a:t>
-            </a:r>
-            <a:r>
-              <a:rPr lang="en-US" altLang="en-US" sz="3100" err="1">
-                <a:latin typeface="Arial" panose="020B0604020202020204" pitchFamily="34" charset="0"/>
-              </a:rPr>
-              <a:t>wifi</a:t>
-            </a:r>
-            <a:r>
-              <a:rPr lang="en-US" altLang="en-US" sz="3100">
-                <a:latin typeface="Arial" panose="020B0604020202020204" pitchFamily="34" charset="0"/>
-              </a:rPr>
-              <a:t> code, health and safety, assignment</a:t>
-            </a:r>
-          </a:p>
-          <a:p>
-            <a:pPr marL="667969" indent="-667969" eaLnBrk="1" hangingPunct="1">
-              <a:buAutoNum type="arabicPeriod"/>
-              <a:defRPr/>
-            </a:pPr>
-            <a:r>
-              <a:rPr lang="en-US" altLang="en-US" sz="3100">
-                <a:latin typeface="Arial" panose="020B0604020202020204" pitchFamily="34" charset="0"/>
-              </a:rPr>
-              <a:t>Check layout by bringing guide lines to the front – ensure design covers everything up to ‘bleed’ line</a:t>
-            </a:r>
-          </a:p>
-          <a:p>
-            <a:pPr marL="667969" indent="-667969" eaLnBrk="1" hangingPunct="1">
-              <a:buAutoNum type="arabicPeriod"/>
-              <a:defRPr/>
-            </a:pPr>
-            <a:r>
-              <a:rPr lang="en-US" altLang="en-US" sz="3100">
-                <a:latin typeface="Arial" panose="020B0604020202020204" pitchFamily="34" charset="0"/>
-              </a:rPr>
-              <a:t>Remove guide lines once checked</a:t>
-            </a:r>
-          </a:p>
-          <a:p>
-            <a:pPr marL="667969" indent="-667969" eaLnBrk="1" hangingPunct="1">
-              <a:buAutoNum type="arabicPeriod"/>
-              <a:defRPr/>
-            </a:pPr>
-            <a:r>
-              <a:rPr lang="en-US" altLang="en-US" sz="3100">
-                <a:latin typeface="Arial" panose="020B0604020202020204" pitchFamily="34" charset="0"/>
-              </a:rPr>
-              <a:t>Close master slide</a:t>
-            </a:r>
-          </a:p>
-          <a:p>
-            <a:pPr marL="667969" indent="-667969" eaLnBrk="1" hangingPunct="1">
-              <a:buAutoNum type="arabicPeriod"/>
-              <a:defRPr/>
-            </a:pPr>
-            <a:r>
-              <a:rPr lang="en-US" altLang="en-US" sz="3100">
-                <a:latin typeface="Arial" panose="020B0604020202020204" pitchFamily="34" charset="0"/>
-              </a:rPr>
-              <a:t>Update name text font and </a:t>
-            </a:r>
-            <a:r>
-              <a:rPr lang="en-US" altLang="en-US" sz="3100" err="1">
-                <a:latin typeface="Arial" panose="020B0604020202020204" pitchFamily="34" charset="0"/>
-              </a:rPr>
-              <a:t>colour</a:t>
-            </a:r>
-            <a:r>
-              <a:rPr lang="en-US" altLang="en-US" sz="3100">
-                <a:latin typeface="Arial" panose="020B0604020202020204" pitchFamily="34" charset="0"/>
-              </a:rPr>
-              <a:t> ensuring you do not change the words themselves</a:t>
-            </a:r>
-          </a:p>
-          <a:p>
-            <a:pPr marL="667969" indent="-667969" eaLnBrk="1" hangingPunct="1">
-              <a:buAutoNum type="arabicPeriod"/>
-              <a:defRPr/>
-            </a:pPr>
-            <a:r>
-              <a:rPr lang="en-US" altLang="en-US" sz="3100">
-                <a:latin typeface="Arial" panose="020B0604020202020204" pitchFamily="34" charset="0"/>
-              </a:rPr>
-              <a:t>Add badge template to correct folder in Khora or run nametagger.xls for preprinting badges</a:t>
-            </a:r>
-          </a:p>
-          <a:p>
-            <a:pPr marL="667969" indent="-667969" eaLnBrk="1" hangingPunct="1">
-              <a:buAutoNum type="arabicPeriod"/>
-              <a:defRPr/>
-            </a:pPr>
-            <a:endParaRPr lang="en-US" altLang="en-US" sz="3100">
-              <a:latin typeface="Arial" panose="020B0604020202020204" pitchFamily="34" charset="0"/>
-            </a:endParaRPr>
-          </a:p>
-        </p:txBody>
-      </p:sp>
-    </p:spTree>
-  </p:cSld>
-  <p:clrMapOvr>
-    <a:masterClrMapping/>
-  </p:clrMapOvr>
-</p:notes>
-</file>
-
-<file path=ppt/slideLayouts/slideLayout1.xml><?xml version="1.0" encoding="utf-8"?>
+<file path=ppt/slideLayouts/slideLayout11.xml><?xml version="1.0" encoding="utf-8"?>
 <p:sldLayout xmlns:a="http://schemas.openxmlformats.org/drawingml/2006/main" xmlns:r="http://schemas.openxmlformats.org/officeDocument/2006/relationships" xmlns:p="http://schemas.openxmlformats.org/presentationml/2006/main" preserve="1" userDrawn="1">
   <p:cSld name="Title Slide">
     <p:spTree>
@@ -1422,7 +1045,7 @@
 </p:sldLayout>
 </file>
 
-<file path=ppt/slideMasters/slideMaster1.xml><?xml version="1.0" encoding="utf-8"?>
+<file path=ppt/slideMasters/slideMaster11.xml><?xml version="1.0" encoding="utf-8"?>
 <p:sldMaster xmlns:a="http://schemas.openxmlformats.org/drawingml/2006/main" xmlns:r="http://schemas.openxmlformats.org/officeDocument/2006/relationships" xmlns:p="http://schemas.openxmlformats.org/presentationml/2006/main">
   <p:cSld>
     <p:bg>
@@ -3122,9 +2745,9 @@
 </p:sldMaster>
 </file>
 
-<file path=ppt/slides/slide1.xml><?xml version="1.0" encoding="utf-8"?>
-<p:sld xmlns:a="http://schemas.openxmlformats.org/drawingml/2006/main" xmlns:r="http://schemas.openxmlformats.org/officeDocument/2006/relationships" xmlns:p="http://schemas.openxmlformats.org/presentationml/2006/main">
-  <p:cSld>
+<file path=ppt/slides/slide21.xml><?xml version="1.0" encoding="utf-8"?>
+<p:sld xmlns:a16="http://schemas.microsoft.com/office/drawing/2014/main" xmlns:a14="http://schemas.microsoft.com/office/drawing/2010/main" xmlns:a="http://schemas.openxmlformats.org/drawingml/2006/main" xmlns:r="http://schemas.openxmlformats.org/officeDocument/2006/relationships" xmlns:p="http://schemas.openxmlformats.org/presentationml/2006/main">
+  <p:cSld xmlns:p="http://schemas.openxmlformats.org/presentationml/2006/main">
     <p:spTree>
       <p:nvGrpSpPr>
         <p:cNvPr id="1" name=""/>
@@ -3132,7 +2755,7 @@
         <p:nvPr/>
       </p:nvGrpSpPr>
       <p:grpSpPr>
-        <a:xfrm>
+        <a:xfrm xmlns:a="http://schemas.openxmlformats.org/drawingml/2006/main">
           <a:off x="0" y="0"/>
           <a:ext cx="0" cy="0"/>
           <a:chOff x="0" y="0"/>
@@ -3142,31 +2765,31 @@
       <p:sp>
         <p:nvSpPr>
           <p:cNvPr id="14338" name="Text Box 11">
-            <a:extLst>
+            <a:extLst xmlns:a="http://schemas.openxmlformats.org/drawingml/2006/main">
               <a:ext uri="{FF2B5EF4-FFF2-40B4-BE49-F238E27FC236}">
                 <a16:creationId xmlns:a16="http://schemas.microsoft.com/office/drawing/2014/main" id="{BDAB2644-53C9-41BB-8530-DD16412882BE}"/>
               </a:ext>
             </a:extLst>
           </p:cNvPr>
           <p:cNvSpPr txBox="1">
-            <a:spLocks noChangeArrowheads="1"/>
+            <a:spLocks xmlns:a="http://schemas.openxmlformats.org/drawingml/2006/main" noChangeArrowheads="1"/>
           </p:cNvSpPr>
           <p:nvPr/>
         </p:nvSpPr>
         <p:spPr bwMode="auto">
-          <a:xfrm rot="16200000">
+          <a:xfrm xmlns:a="http://schemas.openxmlformats.org/drawingml/2006/main" rot="16200000">
             <a:off x="784225" y="2582863"/>
             <a:ext cx="3671887" cy="1455738"/>
           </a:xfrm>
-          <a:prstGeom prst="rect">
+          <a:prstGeom xmlns:a="http://schemas.openxmlformats.org/drawingml/2006/main" prst="rect">
             <a:avLst/>
           </a:prstGeom>
-          <a:noFill/>
-          <a:ln>
+          <a:noFill xmlns:a="http://schemas.openxmlformats.org/drawingml/2006/main"/>
+          <a:ln xmlns:a="http://schemas.openxmlformats.org/drawingml/2006/main">
             <a:noFill/>
           </a:ln>
-          <a:effectLst/>
-          <a:extLst>
+          <a:effectLst xmlns:a="http://schemas.openxmlformats.org/drawingml/2006/main"/>
+          <a:extLst xmlns:a="http://schemas.openxmlformats.org/drawingml/2006/main">
             <a:ext uri="{909E8E84-426E-40DD-AFC4-6F175D3DCCD1}">
               <a14:hiddenFill xmlns:a14="http://schemas.microsoft.com/office/drawing/2010/main">
                 <a:solidFill>
@@ -3198,10 +2821,10 @@
           </a:extLst>
         </p:spPr>
         <p:txBody>
-          <a:bodyPr lIns="70427" tIns="35215" rIns="70427" bIns="35215">
+          <a:bodyPr xmlns:a="http://schemas.openxmlformats.org/drawingml/2006/main" lIns="70427" tIns="35215" rIns="70427" bIns="35215">
             <a:spAutoFit/>
           </a:bodyPr>
-          <a:lstStyle>
+          <a:lstStyle xmlns:a="http://schemas.openxmlformats.org/drawingml/2006/main">
             <a:lvl1pPr defTabSz="287338">
               <a:defRPr sz="600">
                 <a:solidFill>
@@ -3299,7 +2922,7 @@
               </a:defRPr>
             </a:lvl9pPr>
           </a:lstStyle>
-          <a:p>
+          <a:p xmlns:a="http://schemas.openxmlformats.org/drawingml/2006/main">
             <a:pPr algn="ctr" eaLnBrk="1" hangingPunct="1">
               <a:defRPr/>
             </a:pPr>
@@ -3323,7 +2946,7 @@
               <a:cs typeface="Century Gothic" panose="020B0502020202020204" pitchFamily="34" charset="0"/>
             </a:endParaRPr>
           </a:p>
-          <a:p>
+          <a:p xmlns:a="http://schemas.openxmlformats.org/drawingml/2006/main">
             <a:pPr algn="ctr" eaLnBrk="1" hangingPunct="1">
               <a:defRPr/>
             </a:pPr>
@@ -3352,31 +2975,31 @@
       <p:sp>
         <p:nvSpPr>
           <p:cNvPr id="3" name="Text Box 11">
-            <a:extLst>
+            <a:extLst xmlns:a="http://schemas.openxmlformats.org/drawingml/2006/main">
               <a:ext uri="{FF2B5EF4-FFF2-40B4-BE49-F238E27FC236}">
                 <a16:creationId xmlns:a16="http://schemas.microsoft.com/office/drawing/2014/main" id="{F145A6D2-6298-4DDE-BD8A-7B49E1B246A0}"/>
               </a:ext>
             </a:extLst>
           </p:cNvPr>
           <p:cNvSpPr txBox="1">
-            <a:spLocks noChangeArrowheads="1"/>
+            <a:spLocks xmlns:a="http://schemas.openxmlformats.org/drawingml/2006/main" noChangeArrowheads="1"/>
           </p:cNvSpPr>
           <p:nvPr/>
         </p:nvSpPr>
         <p:spPr bwMode="auto">
-          <a:xfrm rot="5400000">
+          <a:xfrm xmlns:a="http://schemas.openxmlformats.org/drawingml/2006/main" rot="5400000">
             <a:off x="3032125" y="2582863"/>
             <a:ext cx="3671887" cy="1455738"/>
           </a:xfrm>
-          <a:prstGeom prst="rect">
+          <a:prstGeom xmlns:a="http://schemas.openxmlformats.org/drawingml/2006/main" prst="rect">
             <a:avLst/>
           </a:prstGeom>
-          <a:noFill/>
-          <a:ln>
+          <a:noFill xmlns:a="http://schemas.openxmlformats.org/drawingml/2006/main"/>
+          <a:ln xmlns:a="http://schemas.openxmlformats.org/drawingml/2006/main">
             <a:noFill/>
           </a:ln>
-          <a:effectLst/>
-          <a:extLst>
+          <a:effectLst xmlns:a="http://schemas.openxmlformats.org/drawingml/2006/main"/>
+          <a:extLst xmlns:a="http://schemas.openxmlformats.org/drawingml/2006/main">
             <a:ext uri="{909E8E84-426E-40DD-AFC4-6F175D3DCCD1}">
               <a14:hiddenFill xmlns:a14="http://schemas.microsoft.com/office/drawing/2010/main">
                 <a:solidFill>
@@ -3408,10 +3031,10 @@
           </a:extLst>
         </p:spPr>
         <p:txBody>
-          <a:bodyPr lIns="70427" tIns="35215" rIns="70427" bIns="35215">
+          <a:bodyPr xmlns:a="http://schemas.openxmlformats.org/drawingml/2006/main" lIns="70427" tIns="35215" rIns="70427" bIns="35215">
             <a:spAutoFit/>
           </a:bodyPr>
-          <a:lstStyle>
+          <a:lstStyle xmlns:a="http://schemas.openxmlformats.org/drawingml/2006/main">
             <a:lvl1pPr defTabSz="287338">
               <a:defRPr sz="600">
                 <a:solidFill>
@@ -3509,7 +3132,7 @@
               </a:defRPr>
             </a:lvl9pPr>
           </a:lstStyle>
-          <a:p>
+          <a:p xmlns:a="http://schemas.openxmlformats.org/drawingml/2006/main">
             <a:pPr algn="ctr" eaLnBrk="1" hangingPunct="1">
               <a:defRPr/>
             </a:pPr>
@@ -3533,12 +3156,12 @@
               <a:cs typeface="Century Gothic" panose="020B0502020202020204" pitchFamily="34" charset="0"/>
             </a:endParaRPr>
           </a:p>
-          <a:p>
+          <a:p xmlns:a="http://schemas.openxmlformats.org/drawingml/2006/main">
             <a:pPr algn="ctr" eaLnBrk="1" hangingPunct="1">
               <a:defRPr/>
             </a:pPr>
             <a:r>
-              <a:rPr lang="en-GB" altLang="en-US" sz="3600">
+              <a:rPr lang="en-GB" altLang="en-US" sz="3600" dirty="0">
                 <a:solidFill>
                   <a:srgbClr val="264063"/>
                 </a:solidFill>
@@ -3561,13 +3184,13 @@
       </p:sp>
     </p:spTree>
   </p:cSld>
-  <p:clrMapOvr>
-    <a:masterClrMapping/>
+  <p:clrMapOvr xmlns:p="http://schemas.openxmlformats.org/presentationml/2006/main">
+    <a:masterClrMapping xmlns:a="http://schemas.openxmlformats.org/drawingml/2006/main"/>
   </p:clrMapOvr>
 </p:sld>
 </file>
 
-<file path=ppt/theme/theme1.xml><?xml version="1.0" encoding="utf-8"?>
+<file path=ppt/theme/theme13.xml><?xml version="1.0" encoding="utf-8"?>
 <a:theme xmlns:a="http://schemas.openxmlformats.org/drawingml/2006/main" name="Default Design">
   <a:themeElements>
     <a:clrScheme name="Default Design 1">
@@ -4432,7 +4055,7 @@
 </a:theme>
 </file>
 
-<file path=ppt/theme/theme2.xml><?xml version="1.0" encoding="utf-8"?>
+<file path=ppt/theme/theme22.xml><?xml version="1.0" encoding="utf-8"?>
 <a:theme xmlns:a="http://schemas.openxmlformats.org/drawingml/2006/main" name="Office Theme">
   <a:themeElements>
     <a:clrScheme name="">
@@ -4717,7 +4340,7 @@
 </a:theme>
 </file>
 
-<file path=ppt/theme/theme3.xml><?xml version="1.0" encoding="utf-8"?>
+<file path=ppt/theme/theme31.xml><?xml version="1.0" encoding="utf-8"?>
 <a:theme xmlns:a="http://schemas.openxmlformats.org/drawingml/2006/main" name="Office Theme">
   <a:themeElements>
     <a:clrScheme name="Office">
@@ -4978,7 +4601,7 @@
 </a:theme>
 </file>
 
-<file path=customXml/item1.xml><?xml version="1.0" encoding="utf-8"?>
+<file path=customXml/item13.xml><?xml version="1.0" encoding="utf-8"?>
 <ct:contentTypeSchema xmlns:ct="http://schemas.microsoft.com/office/2006/metadata/contentType" xmlns:ma="http://schemas.microsoft.com/office/2006/metadata/properties/metaAttributes" ct:_="" ma:_="" ma:contentTypeName="Document" ma:contentTypeID="0x0101000EC8333B853F30479CABBE7B1BB16796" ma:contentTypeVersion="16" ma:contentTypeDescription="Create a new document." ma:contentTypeScope="" ma:versionID="79d1ce0380bcab53ce61ebaea46b63bc">
   <xsd:schema xmlns:xsd="http://www.w3.org/2001/XMLSchema" xmlns:xs="http://www.w3.org/2001/XMLSchema" xmlns:p="http://schemas.microsoft.com/office/2006/metadata/properties" xmlns:ns2="402a5a46-9a97-448a-b393-b3c8becf2e0d" xmlns:ns3="973854e3-2084-40dd-954e-e014d59ac262" targetNamespace="http://schemas.microsoft.com/office/2006/metadata/properties" ma:root="true" ma:fieldsID="509bd81dcd7e2770616e68a83402dc3e" ns2:_="" ns3:_="">
     <xsd:import namespace="402a5a46-9a97-448a-b393-b3c8becf2e0d"/>
@@ -5221,7 +4844,7 @@
 </ct:contentTypeSchema>
 </file>
 
-<file path=customXml/item2.xml><?xml version="1.0" encoding="utf-8"?>
+<file path=customXml/item22.xml><?xml version="1.0" encoding="utf-8"?>
 <?mso-contentType ?>
 <FormTemplates xmlns="http://schemas.microsoft.com/sharepoint/v3/contenttype/forms">
   <Display>DocumentLibraryForm</Display>
@@ -5248,7 +4871,7 @@
 </p:properties>
 </file>
 
-<file path=customXml/itemProps1.xml><?xml version="1.0" encoding="utf-8"?>
+<file path=customXml/itemProps13.xml><?xml version="1.0" encoding="utf-8"?>
 <ds:datastoreItem xmlns:ds="http://schemas.openxmlformats.org/officeDocument/2006/customXml" ds:itemID="{96F46DC8-B04C-4C5B-A2AC-A7810EDFFF17}">
   <ds:schemaRefs>
     <ds:schemaRef ds:uri="http://schemas.microsoft.com/office/2006/metadata/contentType"/>
@@ -5267,7 +4890,7 @@
 </ds:datastoreItem>
 </file>
 
-<file path=customXml/itemProps2.xml><?xml version="1.0" encoding="utf-8"?>
+<file path=customXml/itemProps22.xml><?xml version="1.0" encoding="utf-8"?>
 <ds:datastoreItem xmlns:ds="http://schemas.openxmlformats.org/officeDocument/2006/customXml" ds:itemID="{6BA213A8-057F-464C-BA08-5D2A082533F1}">
   <ds:schemaRefs>
     <ds:schemaRef ds:uri="http://schemas.microsoft.com/sharepoint/v3/contenttype/forms"/>
@@ -5275,7 +4898,7 @@
 </ds:datastoreItem>
 </file>
 
-<file path=customXml/itemProps3.xml><?xml version="1.0" encoding="utf-8"?>
+<file path=customXml/itemProps31.xml><?xml version="1.0" encoding="utf-8"?>
 <ds:datastoreItem xmlns:ds="http://schemas.openxmlformats.org/officeDocument/2006/customXml" ds:itemID="{F97CE17C-007C-41D3-A867-117DD85F574F}">
   <ds:schemaRefs>
     <ds:schemaRef ds:uri="402a5a46-9a97-448a-b393-b3c8becf2e0d"/>
